--- a/slides/Aula 2 - Fidedignidade.pptx
+++ b/slides/Aula 2 - Fidedignidade.pptx
@@ -266,7 +266,7 @@
             <a:fld id="{4BAA37E8-67AA-47AC-A10C-5D7B12DA7DC7}" type="datetimeFigureOut">
               <a:rPr lang="pt-BR" smtClean="0"/>
               <a:pPr/>
-              <a:t>22/04/2021</a:t>
+              <a:t>29/04/2021</a:t>
             </a:fld>
             <a:endParaRPr lang="pt-BR"/>
           </a:p>
@@ -2674,8 +2674,8 @@
           </a:p>
         </p:txBody>
       </p:sp>
-      <mc:AlternateContent xmlns:mc="http://schemas.openxmlformats.org/markup-compatibility/2006">
-        <mc:Choice xmlns:a14="http://schemas.microsoft.com/office/drawing/2010/main" Requires="a14">
+      <mc:AlternateContent xmlns:mc="http://schemas.openxmlformats.org/markup-compatibility/2006" xmlns:a14="http://schemas.microsoft.com/office/drawing/2010/main">
+        <mc:Choice Requires="a14">
           <p:sp>
             <p:nvSpPr>
               <p:cNvPr id="9" name="Oval 8">
@@ -2736,7 +2736,7 @@
             </p:txBody>
           </p:sp>
         </mc:Choice>
-        <mc:Fallback>
+        <mc:Fallback xmlns="">
           <p:sp>
             <p:nvSpPr>
               <p:cNvPr id="9" name="Oval 8">
@@ -5095,8 +5095,8 @@
           </a:fontRef>
         </p:style>
       </p:cxnSp>
-      <mc:AlternateContent xmlns:mc="http://schemas.openxmlformats.org/markup-compatibility/2006">
-        <mc:Choice xmlns:a14="http://schemas.microsoft.com/office/drawing/2010/main" Requires="a14">
+      <mc:AlternateContent xmlns:mc="http://schemas.openxmlformats.org/markup-compatibility/2006" xmlns:a14="http://schemas.microsoft.com/office/drawing/2010/main">
+        <mc:Choice Requires="a14">
           <p:sp>
             <p:nvSpPr>
               <p:cNvPr id="31" name="TextBox 30">
@@ -5143,7 +5143,7 @@
             </p:txBody>
           </p:sp>
         </mc:Choice>
-        <mc:Fallback>
+        <mc:Fallback xmlns="">
           <p:sp>
             <p:nvSpPr>
               <p:cNvPr id="31" name="TextBox 30">
@@ -5459,7 +5459,7 @@
                           <a:latin typeface="Cambria Math" panose="02040503050406030204" pitchFamily="18" charset="0"/>
                           <a:cs typeface="Prototype" pitchFamily="2" charset="0"/>
                         </a:rPr>
-                        <m:t>21</m:t>
+                        <m:t>11</m:t>
                       </m:r>
                     </m:oMath>
                   </m:oMathPara>
@@ -5574,7 +5574,7 @@
                           <a:latin typeface="Cambria Math" panose="02040503050406030204" pitchFamily="18" charset="0"/>
                           <a:cs typeface="Prototype" pitchFamily="2" charset="0"/>
                         </a:rPr>
-                        <m:t>12</m:t>
+                        <m:t>21</m:t>
                       </m:r>
                     </m:oMath>
                   </m:oMathPara>
@@ -5635,8 +5635,8 @@
           </p:sp>
         </mc:Fallback>
       </mc:AlternateContent>
-      <mc:AlternateContent xmlns:mc="http://schemas.openxmlformats.org/markup-compatibility/2006">
-        <mc:Choice xmlns:a14="http://schemas.microsoft.com/office/drawing/2010/main" Requires="a14">
+      <mc:AlternateContent xmlns:mc="http://schemas.openxmlformats.org/markup-compatibility/2006" xmlns:a14="http://schemas.microsoft.com/office/drawing/2010/main">
+        <mc:Choice Requires="a14">
           <p:sp>
             <p:nvSpPr>
               <p:cNvPr id="36" name="TextBox 35">
@@ -5683,7 +5683,7 @@
             </p:txBody>
           </p:sp>
         </mc:Choice>
-        <mc:Fallback>
+        <mc:Fallback xmlns="">
           <p:sp>
             <p:nvSpPr>
               <p:cNvPr id="36" name="TextBox 35">
@@ -5728,8 +5728,8 @@
           </p:sp>
         </mc:Fallback>
       </mc:AlternateContent>
-      <mc:AlternateContent xmlns:mc="http://schemas.openxmlformats.org/markup-compatibility/2006">
-        <mc:Choice xmlns:a14="http://schemas.microsoft.com/office/drawing/2010/main" Requires="a14">
+      <mc:AlternateContent xmlns:mc="http://schemas.openxmlformats.org/markup-compatibility/2006" xmlns:a14="http://schemas.microsoft.com/office/drawing/2010/main">
+        <mc:Choice Requires="a14">
           <p:sp>
             <p:nvSpPr>
               <p:cNvPr id="37" name="TextBox 36">
@@ -5776,7 +5776,7 @@
             </p:txBody>
           </p:sp>
         </mc:Choice>
-        <mc:Fallback>
+        <mc:Fallback xmlns="">
           <p:sp>
             <p:nvSpPr>
               <p:cNvPr id="37" name="TextBox 36">
@@ -5821,8 +5821,8 @@
           </p:sp>
         </mc:Fallback>
       </mc:AlternateContent>
-      <mc:AlternateContent xmlns:mc="http://schemas.openxmlformats.org/markup-compatibility/2006">
-        <mc:Choice xmlns:a14="http://schemas.microsoft.com/office/drawing/2010/main" Requires="a14">
+      <mc:AlternateContent xmlns:mc="http://schemas.openxmlformats.org/markup-compatibility/2006" xmlns:a14="http://schemas.microsoft.com/office/drawing/2010/main">
+        <mc:Choice Requires="a14">
           <p:sp>
             <p:nvSpPr>
               <p:cNvPr id="23" name="TextBox 22">
@@ -5891,7 +5891,7 @@
             </p:txBody>
           </p:sp>
         </mc:Choice>
-        <mc:Fallback>
+        <mc:Fallback xmlns="">
           <p:sp>
             <p:nvSpPr>
               <p:cNvPr id="23" name="TextBox 22">
@@ -5990,17 +5990,7 @@
                           <a:latin typeface="Cambria Math" panose="02040503050406030204" pitchFamily="18" charset="0"/>
                           <a:cs typeface="Prototype" pitchFamily="2" charset="0"/>
                         </a:rPr>
-                        <m:t>1</m:t>
-                      </m:r>
-                      <m:r>
-                        <a:rPr lang="en-US" sz="1800" b="0" i="1" smtClean="0">
-                          <a:solidFill>
-                            <a:schemeClr val="tx1"/>
-                          </a:solidFill>
-                          <a:latin typeface="Cambria Math" panose="02040503050406030204" pitchFamily="18" charset="0"/>
-                          <a:cs typeface="Prototype" pitchFamily="2" charset="0"/>
-                        </a:rPr>
-                        <m:t>2</m:t>
+                        <m:t>21</m:t>
                       </m:r>
                     </m:oMath>
                   </m:oMathPara>
@@ -6115,17 +6105,7 @@
                           <a:latin typeface="Cambria Math" panose="02040503050406030204" pitchFamily="18" charset="0"/>
                           <a:cs typeface="Prototype" pitchFamily="2" charset="0"/>
                         </a:rPr>
-                        <m:t>1</m:t>
-                      </m:r>
-                      <m:r>
-                        <a:rPr lang="en-US" sz="1800" b="0" i="1" smtClean="0">
-                          <a:solidFill>
-                            <a:schemeClr val="tx1"/>
-                          </a:solidFill>
-                          <a:latin typeface="Cambria Math" panose="02040503050406030204" pitchFamily="18" charset="0"/>
-                          <a:cs typeface="Prototype" pitchFamily="2" charset="0"/>
-                        </a:rPr>
-                        <m:t>3</m:t>
+                        <m:t>31</m:t>
                       </m:r>
                     </m:oMath>
                   </m:oMathPara>
@@ -6342,7 +6322,7 @@
                           <a:latin typeface="Cambria Math" panose="02040503050406030204" pitchFamily="18" charset="0"/>
                           <a:cs typeface="Prototype" pitchFamily="2" charset="0"/>
                         </a:rPr>
-                        <m:t>12</m:t>
+                        <m:t>31</m:t>
                       </m:r>
                     </m:oMath>
                   </m:oMathPara>
@@ -8700,8 +8680,8 @@
           </a:fontRef>
         </p:style>
       </p:cxnSp>
-      <mc:AlternateContent xmlns:mc="http://schemas.openxmlformats.org/markup-compatibility/2006">
-        <mc:Choice xmlns:a14="http://schemas.microsoft.com/office/drawing/2010/main" Requires="a14">
+      <mc:AlternateContent xmlns:mc="http://schemas.openxmlformats.org/markup-compatibility/2006" xmlns:a14="http://schemas.microsoft.com/office/drawing/2010/main">
+        <mc:Choice Requires="a14">
           <p:sp>
             <p:nvSpPr>
               <p:cNvPr id="31" name="TextBox 30">
@@ -8748,7 +8728,7 @@
             </p:txBody>
           </p:sp>
         </mc:Choice>
-        <mc:Fallback>
+        <mc:Fallback xmlns="">
           <p:sp>
             <p:nvSpPr>
               <p:cNvPr id="31" name="TextBox 30">
@@ -8844,8 +8824,8 @@
           </a:p>
         </p:txBody>
       </p:sp>
-      <mc:AlternateContent xmlns:mc="http://schemas.openxmlformats.org/markup-compatibility/2006">
-        <mc:Choice xmlns:a14="http://schemas.microsoft.com/office/drawing/2010/main" Requires="a14">
+      <mc:AlternateContent xmlns:mc="http://schemas.openxmlformats.org/markup-compatibility/2006" xmlns:a14="http://schemas.microsoft.com/office/drawing/2010/main">
+        <mc:Choice Requires="a14">
           <p:sp>
             <p:nvSpPr>
               <p:cNvPr id="2" name="TextBox 1">
@@ -8914,7 +8894,7 @@
             </p:txBody>
           </p:sp>
         </mc:Choice>
-        <mc:Fallback>
+        <mc:Fallback xmlns="">
           <p:sp>
             <p:nvSpPr>
               <p:cNvPr id="2" name="TextBox 1">
@@ -9010,8 +8990,8 @@
           </a:p>
         </p:txBody>
       </p:sp>
-      <mc:AlternateContent xmlns:mc="http://schemas.openxmlformats.org/markup-compatibility/2006">
-        <mc:Choice xmlns:a14="http://schemas.microsoft.com/office/drawing/2010/main" Requires="a14">
+      <mc:AlternateContent xmlns:mc="http://schemas.openxmlformats.org/markup-compatibility/2006" xmlns:a14="http://schemas.microsoft.com/office/drawing/2010/main">
+        <mc:Choice Requires="a14">
           <p:sp>
             <p:nvSpPr>
               <p:cNvPr id="28" name="TextBox 27">
@@ -9080,7 +9060,7 @@
             </p:txBody>
           </p:sp>
         </mc:Choice>
-        <mc:Fallback>
+        <mc:Fallback xmlns="">
           <p:sp>
             <p:nvSpPr>
               <p:cNvPr id="28" name="TextBox 27">
@@ -9179,7 +9159,7 @@
                           <a:latin typeface="Cambria Math" panose="02040503050406030204" pitchFamily="18" charset="0"/>
                           <a:cs typeface="Prototype" pitchFamily="2" charset="0"/>
                         </a:rPr>
-                        <m:t>12</m:t>
+                        <m:t>21</m:t>
                       </m:r>
                     </m:oMath>
                   </m:oMathPara>
@@ -9240,8 +9220,8 @@
           </p:sp>
         </mc:Fallback>
       </mc:AlternateContent>
-      <mc:AlternateContent xmlns:mc="http://schemas.openxmlformats.org/markup-compatibility/2006">
-        <mc:Choice xmlns:a14="http://schemas.microsoft.com/office/drawing/2010/main" Requires="a14">
+      <mc:AlternateContent xmlns:mc="http://schemas.openxmlformats.org/markup-compatibility/2006" xmlns:a14="http://schemas.microsoft.com/office/drawing/2010/main">
+        <mc:Choice Requires="a14">
           <p:sp>
             <p:nvSpPr>
               <p:cNvPr id="36" name="TextBox 35">
@@ -9288,7 +9268,7 @@
             </p:txBody>
           </p:sp>
         </mc:Choice>
-        <mc:Fallback>
+        <mc:Fallback xmlns="">
           <p:sp>
             <p:nvSpPr>
               <p:cNvPr id="36" name="TextBox 35">
@@ -9333,8 +9313,8 @@
           </p:sp>
         </mc:Fallback>
       </mc:AlternateContent>
-      <mc:AlternateContent xmlns:mc="http://schemas.openxmlformats.org/markup-compatibility/2006">
-        <mc:Choice xmlns:a14="http://schemas.microsoft.com/office/drawing/2010/main" Requires="a14">
+      <mc:AlternateContent xmlns:mc="http://schemas.openxmlformats.org/markup-compatibility/2006" xmlns:a14="http://schemas.microsoft.com/office/drawing/2010/main">
+        <mc:Choice Requires="a14">
           <p:sp>
             <p:nvSpPr>
               <p:cNvPr id="37" name="TextBox 36">
@@ -9381,7 +9361,7 @@
             </p:txBody>
           </p:sp>
         </mc:Choice>
-        <mc:Fallback>
+        <mc:Fallback xmlns="">
           <p:sp>
             <p:nvSpPr>
               <p:cNvPr id="37" name="TextBox 36">
@@ -9426,8 +9406,8 @@
           </p:sp>
         </mc:Fallback>
       </mc:AlternateContent>
-      <mc:AlternateContent xmlns:mc="http://schemas.openxmlformats.org/markup-compatibility/2006">
-        <mc:Choice xmlns:a14="http://schemas.microsoft.com/office/drawing/2010/main" Requires="a14">
+      <mc:AlternateContent xmlns:mc="http://schemas.openxmlformats.org/markup-compatibility/2006" xmlns:a14="http://schemas.microsoft.com/office/drawing/2010/main">
+        <mc:Choice Requires="a14">
           <p:sp>
             <p:nvSpPr>
               <p:cNvPr id="23" name="TextBox 22">
@@ -9496,7 +9476,7 @@
             </p:txBody>
           </p:sp>
         </mc:Choice>
-        <mc:Fallback>
+        <mc:Fallback xmlns="">
           <p:sp>
             <p:nvSpPr>
               <p:cNvPr id="23" name="TextBox 22">
@@ -9595,7 +9575,7 @@
                           <a:latin typeface="Cambria Math" panose="02040503050406030204" pitchFamily="18" charset="0"/>
                           <a:cs typeface="Prototype" pitchFamily="2" charset="0"/>
                         </a:rPr>
-                        <m:t>12</m:t>
+                        <m:t>21</m:t>
                       </m:r>
                     </m:oMath>
                   </m:oMathPara>
@@ -9710,7 +9690,7 @@
                           <a:latin typeface="Cambria Math" panose="02040503050406030204" pitchFamily="18" charset="0"/>
                           <a:cs typeface="Prototype" pitchFamily="2" charset="0"/>
                         </a:rPr>
-                        <m:t>13</m:t>
+                        <m:t>31</m:t>
                       </m:r>
                     </m:oMath>
                   </m:oMathPara>
@@ -9927,7 +9907,7 @@
                           <a:latin typeface="Cambria Math" panose="02040503050406030204" pitchFamily="18" charset="0"/>
                           <a:cs typeface="Prototype" pitchFamily="2" charset="0"/>
                         </a:rPr>
-                        <m:t>12</m:t>
+                        <m:t>31</m:t>
                       </m:r>
                     </m:oMath>
                   </m:oMathPara>
@@ -10138,8 +10118,8 @@
           </a:p>
         </p:txBody>
       </p:sp>
-      <mc:AlternateContent xmlns:mc="http://schemas.openxmlformats.org/markup-compatibility/2006">
-        <mc:Choice xmlns:a14="http://schemas.microsoft.com/office/drawing/2010/main" Requires="a14">
+      <mc:AlternateContent xmlns:mc="http://schemas.openxmlformats.org/markup-compatibility/2006" xmlns:a14="http://schemas.microsoft.com/office/drawing/2010/main">
+        <mc:Choice Requires="a14">
           <p:sp>
             <p:nvSpPr>
               <p:cNvPr id="3" name="TextBox 2">
@@ -10167,6 +10147,7 @@
               </a:bodyPr>
               <a:lstStyle/>
               <a:p>
+                <a:pPr/>
                 <a14:m>
                   <m:oMathPara xmlns:m="http://schemas.openxmlformats.org/officeDocument/2006/math">
                     <m:oMathParaPr>
@@ -10665,7 +10646,7 @@
             </p:txBody>
           </p:sp>
         </mc:Choice>
-        <mc:Fallback>
+        <mc:Fallback xmlns="">
           <p:sp>
             <p:nvSpPr>
               <p:cNvPr id="3" name="TextBox 2">
@@ -10710,8 +10691,8 @@
           </p:sp>
         </mc:Fallback>
       </mc:AlternateContent>
-      <mc:AlternateContent xmlns:mc="http://schemas.openxmlformats.org/markup-compatibility/2006">
-        <mc:Choice xmlns:a14="http://schemas.microsoft.com/office/drawing/2010/main" Requires="a14">
+      <mc:AlternateContent xmlns:mc="http://schemas.openxmlformats.org/markup-compatibility/2006" xmlns:a14="http://schemas.microsoft.com/office/drawing/2010/main">
+        <mc:Choice Requires="a14">
           <p:sp>
             <p:nvSpPr>
               <p:cNvPr id="42" name="TextBox 41">
@@ -10739,6 +10720,7 @@
               </a:bodyPr>
               <a:lstStyle/>
               <a:p>
+                <a:pPr/>
                 <a14:m>
                   <m:oMathPara xmlns:m="http://schemas.openxmlformats.org/officeDocument/2006/math">
                     <m:oMathParaPr>
@@ -11265,7 +11247,7 @@
             </p:txBody>
           </p:sp>
         </mc:Choice>
-        <mc:Fallback>
+        <mc:Fallback xmlns="">
           <p:sp>
             <p:nvSpPr>
               <p:cNvPr id="42" name="TextBox 41">
@@ -13120,8 +13102,8 @@
           </a:p>
         </p:txBody>
       </p:sp>
-      <mc:AlternateContent xmlns:mc="http://schemas.openxmlformats.org/markup-compatibility/2006">
-        <mc:Choice xmlns:a14="http://schemas.microsoft.com/office/drawing/2010/main" Requires="a14">
+      <mc:AlternateContent xmlns:mc="http://schemas.openxmlformats.org/markup-compatibility/2006" xmlns:a14="http://schemas.microsoft.com/office/drawing/2010/main">
+        <mc:Choice Requires="a14">
           <p:sp>
             <p:nvSpPr>
               <p:cNvPr id="16" name="TextBox 15">
@@ -13239,7 +13221,7 @@
             </p:txBody>
           </p:sp>
         </mc:Choice>
-        <mc:Fallback>
+        <mc:Fallback xmlns="">
           <p:sp>
             <p:nvSpPr>
               <p:cNvPr id="16" name="TextBox 15">
@@ -13848,8 +13830,8 @@
           </a:p>
         </p:txBody>
       </p:sp>
-      <mc:AlternateContent xmlns:mc="http://schemas.openxmlformats.org/markup-compatibility/2006">
-        <mc:Choice xmlns:a14="http://schemas.microsoft.com/office/drawing/2010/main" Requires="a14">
+      <mc:AlternateContent xmlns:mc="http://schemas.openxmlformats.org/markup-compatibility/2006" xmlns:a14="http://schemas.microsoft.com/office/drawing/2010/main">
+        <mc:Choice Requires="a14">
           <p:sp>
             <p:nvSpPr>
               <p:cNvPr id="3" name="Content Placeholder 2">
@@ -13871,6 +13853,7 @@
               <a:bodyPr/>
               <a:lstStyle/>
               <a:p>
+                <a:pPr/>
                 <a14:m>
                   <m:oMathPara xmlns:m="http://schemas.openxmlformats.org/officeDocument/2006/math">
                     <m:oMathParaPr>
@@ -14308,7 +14291,7 @@
             </p:txBody>
           </p:sp>
         </mc:Choice>
-        <mc:Fallback>
+        <mc:Fallback xmlns="">
           <p:sp>
             <p:nvSpPr>
               <p:cNvPr id="3" name="Content Placeholder 2">
@@ -35612,13 +35595,13 @@
   <p:clrMapOvr>
     <a:masterClrMapping/>
   </p:clrMapOvr>
-  <mc:AlternateContent xmlns:mc="http://schemas.openxmlformats.org/markup-compatibility/2006">
-    <mc:Choice xmlns:p14="http://schemas.microsoft.com/office/powerpoint/2010/main" Requires="p14">
+  <mc:AlternateContent xmlns:mc="http://schemas.openxmlformats.org/markup-compatibility/2006" xmlns:p14="http://schemas.microsoft.com/office/powerpoint/2010/main">
+    <mc:Choice Requires="p14">
       <p:transition spd="med" p14:dur="700">
         <p:fade/>
       </p:transition>
     </mc:Choice>
-    <mc:Fallback>
+    <mc:Fallback xmlns="">
       <p:transition spd="med">
         <p:fade/>
       </p:transition>
